--- a/ppt/91_補充：進階資料結構與演算法.pptx
+++ b/ppt/91_補充：進階資料結構與演算法.pptx
@@ -12,6 +12,7 @@
     <p:sldId id="328" r:id="rId6"/>
     <p:sldId id="326" r:id="rId7"/>
     <p:sldId id="329" r:id="rId8"/>
+    <p:sldId id="334" r:id="rId9"/>
   </p:sldIdLst>
   <p:sldSz cx="12192000" cy="6858000"/>
   <p:notesSz cx="6858000" cy="9144000"/>
@@ -1918,7 +1919,7 @@
         </p:nvSpPr>
         <p:spPr>
           <a:xfrm>
-            <a:off x="838200" y="-3641"/>
+            <a:off x="838200" y="0"/>
             <a:ext cx="10515600" cy="1325563"/>
           </a:xfrm>
         </p:spPr>
@@ -1935,10 +1936,10 @@
       </p:sp>
       <p:sp>
         <p:nvSpPr>
-          <p:cNvPr id="9" name="內容版面配置區 8">
+          <p:cNvPr id="4" name="內容版面配置區 3">
             <a:extLst>
               <a:ext uri="{FF2B5EF4-FFF2-40B4-BE49-F238E27FC236}">
-                <a16:creationId xmlns:a16="http://schemas.microsoft.com/office/drawing/2014/main" id="{EE5C585B-253D-4D52-9FF5-9CC1F549F197}"/>
+                <a16:creationId xmlns:a16="http://schemas.microsoft.com/office/drawing/2014/main" id="{9B9FB93D-61CF-4CCE-9552-B4CAB3FD82F6}"/>
               </a:ext>
             </a:extLst>
           </p:cNvPr>
@@ -1951,18 +1952,18 @@
         </p:nvSpPr>
         <p:spPr>
           <a:xfrm>
-            <a:off x="838200" y="1072871"/>
-            <a:ext cx="10515600" cy="5318964"/>
+            <a:off x="591671" y="1234236"/>
+            <a:ext cx="11008658" cy="5139670"/>
           </a:xfrm>
         </p:spPr>
         <p:txBody>
           <a:bodyPr>
-            <a:noAutofit/>
+            <a:normAutofit/>
           </a:bodyPr>
           <a:lstStyle/>
           <a:p>
             <a:r>
-              <a:rPr lang="zh-TW" altLang="en-US" sz="2600">
+              <a:rPr lang="zh-TW" altLang="en-US" sz="2800">
                 <a:solidFill>
                   <a:srgbClr val="00B0F0"/>
                 </a:solidFill>
@@ -1970,7 +1971,7 @@
               <a:t>樹</a:t>
             </a:r>
             <a:r>
-              <a:rPr lang="en-US" altLang="zh-TW" sz="2600">
+              <a:rPr lang="en-US" altLang="zh-TW" sz="2800">
                 <a:solidFill>
                   <a:srgbClr val="00B0F0"/>
                 </a:solidFill>
@@ -1978,11 +1979,11 @@
               <a:t>(tree)</a:t>
             </a:r>
             <a:r>
-              <a:rPr lang="zh-TW" altLang="en-US" sz="2600"/>
+              <a:rPr lang="zh-TW" altLang="en-US" sz="2800"/>
               <a:t>是一種</a:t>
             </a:r>
             <a:r>
-              <a:rPr lang="zh-TW" altLang="en-US" sz="2600">
+              <a:rPr lang="zh-TW" altLang="en-US" sz="2800">
                 <a:solidFill>
                   <a:srgbClr val="00B0F0"/>
                 </a:solidFill>
@@ -1990,11 +1991,11 @@
               <a:t>資料結構</a:t>
             </a:r>
             <a:r>
-              <a:rPr lang="zh-TW" altLang="en-US" sz="2600"/>
+              <a:rPr lang="zh-TW" altLang="en-US" sz="2800"/>
               <a:t>，</a:t>
             </a:r>
             <a:r>
-              <a:rPr lang="zh-TW" altLang="en-US" sz="2600">
+              <a:rPr lang="zh-TW" altLang="en-US" sz="2800">
                 <a:solidFill>
                   <a:srgbClr val="00B0F0"/>
                 </a:solidFill>
@@ -2002,11 +2003,11 @@
               <a:t>樹</a:t>
             </a:r>
             <a:r>
-              <a:rPr lang="zh-TW" altLang="en-US" sz="2600"/>
+              <a:rPr lang="zh-TW" altLang="en-US" sz="2800"/>
               <a:t>中的每個</a:t>
             </a:r>
             <a:r>
-              <a:rPr lang="zh-TW" altLang="en-US" sz="2600">
+              <a:rPr lang="zh-TW" altLang="en-US" sz="2800">
                 <a:solidFill>
                   <a:srgbClr val="00B0F0"/>
                 </a:solidFill>
@@ -2014,11 +2015,11 @@
               <a:t>資料</a:t>
             </a:r>
             <a:r>
-              <a:rPr lang="zh-TW" altLang="en-US" sz="2600"/>
+              <a:rPr lang="zh-TW" altLang="en-US" sz="2800"/>
               <a:t>稱為</a:t>
             </a:r>
             <a:r>
-              <a:rPr lang="zh-TW" altLang="en-US" sz="2600">
+              <a:rPr lang="zh-TW" altLang="en-US" sz="2800">
                 <a:solidFill>
                   <a:srgbClr val="00B0F0"/>
                 </a:solidFill>
@@ -2026,7 +2027,7 @@
               <a:t>節點</a:t>
             </a:r>
             <a:r>
-              <a:rPr lang="en-US" altLang="zh-TW" sz="2600">
+              <a:rPr lang="en-US" altLang="zh-TW" sz="2800">
                 <a:solidFill>
                   <a:srgbClr val="00B0F0"/>
                 </a:solidFill>
@@ -2036,7 +2037,7 @@
           </a:p>
           <a:p>
             <a:r>
-              <a:rPr lang="zh-TW" altLang="en-US" sz="2600">
+              <a:rPr lang="zh-TW" altLang="en-US" sz="2800">
                 <a:solidFill>
                   <a:srgbClr val="00B0F0"/>
                 </a:solidFill>
@@ -2044,11 +2045,11 @@
               <a:t>樹</a:t>
             </a:r>
             <a:r>
-              <a:rPr lang="zh-TW" altLang="en-US" sz="2600"/>
+              <a:rPr lang="zh-TW" altLang="en-US" sz="2800"/>
               <a:t>中的</a:t>
             </a:r>
             <a:r>
-              <a:rPr lang="zh-TW" altLang="en-US" sz="2600">
+              <a:rPr lang="zh-TW" altLang="en-US" sz="2800">
                 <a:solidFill>
                   <a:srgbClr val="00B0F0"/>
                 </a:solidFill>
@@ -2056,7 +2057,7 @@
               <a:t>資料</a:t>
             </a:r>
             <a:r>
-              <a:rPr lang="en-US" altLang="zh-TW" sz="2600">
+              <a:rPr lang="en-US" altLang="zh-TW" sz="2800">
                 <a:solidFill>
                   <a:srgbClr val="00B0F0"/>
                 </a:solidFill>
@@ -2064,7 +2065,7 @@
               <a:t>(</a:t>
             </a:r>
             <a:r>
-              <a:rPr lang="zh-TW" altLang="en-US" sz="2600">
+              <a:rPr lang="zh-TW" altLang="en-US" sz="2800">
                 <a:solidFill>
                   <a:srgbClr val="00B0F0"/>
                 </a:solidFill>
@@ -2072,7 +2073,7 @@
               <a:t>節點</a:t>
             </a:r>
             <a:r>
-              <a:rPr lang="en-US" altLang="zh-TW" sz="2600">
+              <a:rPr lang="en-US" altLang="zh-TW" sz="2800">
                 <a:solidFill>
                   <a:srgbClr val="00B0F0"/>
                 </a:solidFill>
@@ -2080,11 +2081,11 @@
               <a:t>)</a:t>
             </a:r>
             <a:r>
-              <a:rPr lang="zh-TW" altLang="en-US" sz="2600"/>
+              <a:rPr lang="zh-TW" altLang="en-US" sz="2800"/>
               <a:t>不可重複，且</a:t>
             </a:r>
             <a:r>
-              <a:rPr lang="zh-TW" altLang="en-US" sz="2600">
+              <a:rPr lang="zh-TW" altLang="en-US" sz="2800">
                 <a:solidFill>
                   <a:srgbClr val="00B0F0"/>
                 </a:solidFill>
@@ -2092,18 +2093,18 @@
               <a:t>節點</a:t>
             </a:r>
             <a:r>
-              <a:rPr lang="zh-TW" altLang="en-US" sz="2600"/>
+              <a:rPr lang="zh-TW" altLang="en-US" sz="2800"/>
               <a:t>會連結其他的</a:t>
             </a:r>
             <a:r>
-              <a:rPr lang="zh-TW" altLang="en-US" sz="2600">
+              <a:rPr lang="zh-TW" altLang="en-US" sz="2800">
                 <a:solidFill>
                   <a:srgbClr val="00B0F0"/>
                 </a:solidFill>
               </a:rPr>
               <a:t>節點</a:t>
             </a:r>
-            <a:endParaRPr lang="en-US" altLang="zh-TW" sz="2600">
+            <a:endParaRPr lang="en-US" altLang="zh-TW" sz="2800">
               <a:solidFill>
                 <a:srgbClr val="00B0F0"/>
               </a:solidFill>
@@ -2111,11 +2112,11 @@
           </a:p>
           <a:p>
             <a:r>
-              <a:rPr lang="zh-TW" altLang="en-US" sz="2600"/>
+              <a:rPr lang="zh-TW" altLang="en-US" sz="2800"/>
               <a:t>連結的</a:t>
             </a:r>
             <a:r>
-              <a:rPr lang="zh-TW" altLang="en-US" sz="2600">
+              <a:rPr lang="zh-TW" altLang="en-US" sz="2800">
                 <a:solidFill>
                   <a:srgbClr val="00B0F0"/>
                 </a:solidFill>
@@ -2123,11 +2124,11 @@
               <a:t>節點</a:t>
             </a:r>
             <a:r>
-              <a:rPr lang="zh-TW" altLang="en-US" sz="2600"/>
+              <a:rPr lang="zh-TW" altLang="en-US" sz="2800"/>
               <a:t>之間會形成</a:t>
             </a:r>
             <a:r>
-              <a:rPr lang="zh-TW" altLang="en-US" sz="2600">
+              <a:rPr lang="zh-TW" altLang="en-US" sz="2800">
                 <a:solidFill>
                   <a:srgbClr val="00B0F0"/>
                 </a:solidFill>
@@ -2135,18 +2136,18 @@
               <a:t>父子關係</a:t>
             </a:r>
             <a:r>
-              <a:rPr lang="zh-TW" altLang="en-US" sz="2600"/>
+              <a:rPr lang="zh-TW" altLang="en-US" sz="2800"/>
               <a:t>，但連結不可成環</a:t>
             </a:r>
-            <a:endParaRPr lang="en-US" altLang="zh-TW" sz="2600"/>
+            <a:endParaRPr lang="en-US" altLang="zh-TW" sz="2800"/>
           </a:p>
           <a:p>
             <a:r>
-              <a:rPr lang="zh-TW" altLang="en-US" sz="2600"/>
+              <a:rPr lang="zh-TW" altLang="en-US" sz="2800"/>
               <a:t>每個</a:t>
             </a:r>
             <a:r>
-              <a:rPr lang="zh-TW" altLang="en-US" sz="2600">
+              <a:rPr lang="zh-TW" altLang="en-US" sz="2800">
                 <a:solidFill>
                   <a:srgbClr val="00B0F0"/>
                 </a:solidFill>
@@ -2154,11 +2155,11 @@
               <a:t>節點</a:t>
             </a:r>
             <a:r>
-              <a:rPr lang="zh-TW" altLang="en-US" sz="2600"/>
+              <a:rPr lang="zh-TW" altLang="en-US" sz="2800"/>
               <a:t>只有一個</a:t>
             </a:r>
             <a:r>
-              <a:rPr lang="zh-TW" altLang="en-US" sz="2600">
+              <a:rPr lang="zh-TW" altLang="en-US" sz="2800">
                 <a:solidFill>
                   <a:srgbClr val="00B0F0"/>
                 </a:solidFill>
@@ -2166,18 +2167,18 @@
               <a:t>父節點</a:t>
             </a:r>
             <a:r>
-              <a:rPr lang="zh-TW" altLang="en-US" sz="2600"/>
+              <a:rPr lang="zh-TW" altLang="en-US" sz="2800"/>
               <a:t>，但可以有很多個</a:t>
             </a:r>
             <a:r>
-              <a:rPr lang="zh-TW" altLang="en-US" sz="2600">
+              <a:rPr lang="zh-TW" altLang="en-US" sz="2800">
                 <a:solidFill>
                   <a:srgbClr val="00B0F0"/>
                 </a:solidFill>
               </a:rPr>
               <a:t>子節點</a:t>
             </a:r>
-            <a:endParaRPr lang="en-US" altLang="zh-TW" sz="2600">
+            <a:endParaRPr lang="en-US" altLang="zh-TW" sz="2800">
               <a:solidFill>
                 <a:srgbClr val="00B0F0"/>
               </a:solidFill>
@@ -2185,11 +2186,11 @@
           </a:p>
           <a:p>
             <a:r>
-              <a:rPr lang="zh-TW" altLang="en-US" sz="2600"/>
+              <a:rPr lang="zh-TW" altLang="en-US" sz="2800"/>
               <a:t>相同</a:t>
             </a:r>
             <a:r>
-              <a:rPr lang="zh-TW" altLang="en-US" sz="2600">
+              <a:rPr lang="zh-TW" altLang="en-US" sz="2800">
                 <a:solidFill>
                   <a:srgbClr val="00B0F0"/>
                 </a:solidFill>
@@ -2197,11 +2198,11 @@
               <a:t>父節點</a:t>
             </a:r>
             <a:r>
-              <a:rPr lang="zh-TW" altLang="en-US" sz="2600"/>
+              <a:rPr lang="zh-TW" altLang="en-US" sz="2800"/>
               <a:t>的</a:t>
             </a:r>
             <a:r>
-              <a:rPr lang="zh-TW" altLang="en-US" sz="2600">
+              <a:rPr lang="zh-TW" altLang="en-US" sz="2800">
                 <a:solidFill>
                   <a:srgbClr val="00B0F0"/>
                 </a:solidFill>
@@ -2209,11 +2210,11 @@
               <a:t>節點</a:t>
             </a:r>
             <a:r>
-              <a:rPr lang="zh-TW" altLang="en-US" sz="2600"/>
+              <a:rPr lang="zh-TW" altLang="en-US" sz="2800"/>
               <a:t>為</a:t>
             </a:r>
             <a:r>
-              <a:rPr lang="zh-TW" altLang="en-US" sz="2600">
+              <a:rPr lang="zh-TW" altLang="en-US" sz="2800">
                 <a:solidFill>
                   <a:srgbClr val="00B0F0"/>
                 </a:solidFill>
@@ -2221,11 +2222,11 @@
               <a:t>兄弟節點</a:t>
             </a:r>
             <a:r>
-              <a:rPr lang="zh-TW" altLang="en-US" sz="2600"/>
+              <a:rPr lang="zh-TW" altLang="en-US" sz="2800"/>
               <a:t>，</a:t>
             </a:r>
             <a:r>
-              <a:rPr lang="zh-TW" altLang="en-US" sz="2600">
+              <a:rPr lang="zh-TW" altLang="en-US" sz="2800">
                 <a:solidFill>
                   <a:srgbClr val="00B0F0"/>
                 </a:solidFill>
@@ -2233,11 +2234,11 @@
               <a:t>父節點</a:t>
             </a:r>
             <a:r>
-              <a:rPr lang="zh-TW" altLang="en-US" sz="2600"/>
+              <a:rPr lang="zh-TW" altLang="en-US" sz="2800"/>
               <a:t>的</a:t>
             </a:r>
             <a:r>
-              <a:rPr lang="zh-TW" altLang="en-US" sz="2600">
+              <a:rPr lang="zh-TW" altLang="en-US" sz="2800">
                 <a:solidFill>
                   <a:srgbClr val="00B0F0"/>
                 </a:solidFill>
@@ -2245,18 +2246,18 @@
               <a:t>兄弟節點</a:t>
             </a:r>
             <a:r>
-              <a:rPr lang="zh-TW" altLang="en-US" sz="2600"/>
+              <a:rPr lang="zh-TW" altLang="en-US" sz="2800"/>
               <a:t>為</a:t>
             </a:r>
             <a:r>
-              <a:rPr lang="zh-TW" altLang="en-US" sz="2600">
+              <a:rPr lang="zh-TW" altLang="en-US" sz="2800">
                 <a:solidFill>
                   <a:srgbClr val="00B0F0"/>
                 </a:solidFill>
               </a:rPr>
               <a:t>叔伯節點</a:t>
             </a:r>
-            <a:endParaRPr lang="en-US" altLang="zh-TW" sz="2600">
+            <a:endParaRPr lang="en-US" altLang="zh-TW" sz="2800">
               <a:solidFill>
                 <a:srgbClr val="00B0F0"/>
               </a:solidFill>
@@ -2264,7 +2265,7 @@
           </a:p>
           <a:p>
             <a:r>
-              <a:rPr lang="zh-TW" altLang="en-US" sz="2600">
+              <a:rPr lang="zh-TW" altLang="en-US" sz="2800">
                 <a:solidFill>
                   <a:srgbClr val="00B0F0"/>
                 </a:solidFill>
@@ -2272,11 +2273,11 @@
               <a:t>父節點</a:t>
             </a:r>
             <a:r>
-              <a:rPr lang="zh-TW" altLang="en-US" sz="2600"/>
+              <a:rPr lang="zh-TW" altLang="en-US" sz="2800"/>
               <a:t>的</a:t>
             </a:r>
             <a:r>
-              <a:rPr lang="zh-TW" altLang="en-US" sz="2600">
+              <a:rPr lang="zh-TW" altLang="en-US" sz="2800">
                 <a:solidFill>
                   <a:srgbClr val="00B0F0"/>
                 </a:solidFill>
@@ -2284,11 +2285,11 @@
               <a:t>父節點</a:t>
             </a:r>
             <a:r>
-              <a:rPr lang="zh-TW" altLang="en-US" sz="2600"/>
+              <a:rPr lang="zh-TW" altLang="en-US" sz="2800"/>
               <a:t>為</a:t>
             </a:r>
             <a:r>
-              <a:rPr lang="zh-TW" altLang="en-US" sz="2600">
+              <a:rPr lang="zh-TW" altLang="en-US" sz="2800">
                 <a:solidFill>
                   <a:srgbClr val="00B0F0"/>
                 </a:solidFill>
@@ -2296,11 +2297,11 @@
               <a:t>祖父節點</a:t>
             </a:r>
             <a:r>
-              <a:rPr lang="zh-TW" altLang="en-US" sz="2600"/>
+              <a:rPr lang="zh-TW" altLang="en-US" sz="2800"/>
               <a:t>，</a:t>
             </a:r>
             <a:r>
-              <a:rPr lang="zh-TW" altLang="en-US" sz="2600">
+              <a:rPr lang="zh-TW" altLang="en-US" sz="2800">
                 <a:solidFill>
                   <a:srgbClr val="00B0F0"/>
                 </a:solidFill>
@@ -2308,11 +2309,11 @@
               <a:t>父節點</a:t>
             </a:r>
             <a:r>
-              <a:rPr lang="zh-TW" altLang="en-US" sz="2600"/>
+              <a:rPr lang="zh-TW" altLang="en-US" sz="2800"/>
               <a:t>為</a:t>
             </a:r>
             <a:r>
-              <a:rPr lang="zh-TW" altLang="en-US" sz="2600">
+              <a:rPr lang="zh-TW" altLang="en-US" sz="2800">
                 <a:solidFill>
                   <a:srgbClr val="00B0F0"/>
                 </a:solidFill>
@@ -2320,11 +2321,11 @@
               <a:t>兄弟節點</a:t>
             </a:r>
             <a:r>
-              <a:rPr lang="zh-TW" altLang="en-US" sz="2600"/>
+              <a:rPr lang="zh-TW" altLang="en-US" sz="2800"/>
               <a:t>的</a:t>
             </a:r>
             <a:r>
-              <a:rPr lang="zh-TW" altLang="en-US" sz="2600">
+              <a:rPr lang="zh-TW" altLang="en-US" sz="2800">
                 <a:solidFill>
                   <a:srgbClr val="00B0F0"/>
                 </a:solidFill>
@@ -2332,18 +2333,18 @@
               <a:t>節點</a:t>
             </a:r>
             <a:r>
-              <a:rPr lang="zh-TW" altLang="en-US" sz="2600"/>
+              <a:rPr lang="zh-TW" altLang="en-US" sz="2800"/>
               <a:t>為</a:t>
             </a:r>
             <a:r>
-              <a:rPr lang="zh-TW" altLang="en-US" sz="2600">
+              <a:rPr lang="zh-TW" altLang="en-US" sz="2800">
                 <a:solidFill>
                   <a:srgbClr val="00B0F0"/>
                 </a:solidFill>
               </a:rPr>
               <a:t>堂兄弟節點</a:t>
             </a:r>
-            <a:endParaRPr lang="en-US" altLang="zh-TW" sz="2600">
+            <a:endParaRPr lang="en-US" altLang="zh-TW" sz="2800">
               <a:solidFill>
                 <a:srgbClr val="00B0F0"/>
               </a:solidFill>
@@ -2351,7 +2352,7 @@
           </a:p>
           <a:p>
             <a:r>
-              <a:rPr lang="zh-TW" altLang="en-US" sz="2600">
+              <a:rPr lang="zh-TW" altLang="en-US" sz="2800">
                 <a:solidFill>
                   <a:srgbClr val="00B0F0"/>
                 </a:solidFill>
@@ -2359,11 +2360,11 @@
               <a:t>樹</a:t>
             </a:r>
             <a:r>
-              <a:rPr lang="zh-TW" altLang="en-US" sz="2600"/>
+              <a:rPr lang="zh-TW" altLang="en-US" sz="2800"/>
               <a:t>中的首個</a:t>
             </a:r>
             <a:r>
-              <a:rPr lang="zh-TW" altLang="en-US" sz="2600">
+              <a:rPr lang="zh-TW" altLang="en-US" sz="2800">
                 <a:solidFill>
                   <a:srgbClr val="00B0F0"/>
                 </a:solidFill>
@@ -2371,11 +2372,11 @@
               <a:t>資料</a:t>
             </a:r>
             <a:r>
-              <a:rPr lang="zh-TW" altLang="en-US" sz="2600"/>
+              <a:rPr lang="zh-TW" altLang="en-US" sz="2800"/>
               <a:t>為</a:t>
             </a:r>
             <a:r>
-              <a:rPr lang="zh-TW" altLang="en-US" sz="2600">
+              <a:rPr lang="zh-TW" altLang="en-US" sz="2800">
                 <a:solidFill>
                   <a:srgbClr val="00B0F0"/>
                 </a:solidFill>
@@ -2383,7 +2384,7 @@
               <a:t>根節點</a:t>
             </a:r>
             <a:r>
-              <a:rPr lang="en-US" altLang="zh-TW" sz="2600">
+              <a:rPr lang="en-US" altLang="zh-TW" sz="2800">
                 <a:solidFill>
                   <a:srgbClr val="00B0F0"/>
                 </a:solidFill>
@@ -2391,11 +2392,11 @@
               <a:t>(root)</a:t>
             </a:r>
             <a:r>
-              <a:rPr lang="zh-TW" altLang="en-US" sz="2600"/>
+              <a:rPr lang="zh-TW" altLang="en-US" sz="2800"/>
               <a:t>，無</a:t>
             </a:r>
             <a:r>
-              <a:rPr lang="zh-TW" altLang="en-US" sz="2600">
+              <a:rPr lang="zh-TW" altLang="en-US" sz="2800">
                 <a:solidFill>
                   <a:srgbClr val="00B0F0"/>
                 </a:solidFill>
@@ -2403,11 +2404,11 @@
               <a:t>子節點</a:t>
             </a:r>
             <a:r>
-              <a:rPr lang="zh-TW" altLang="en-US" sz="2600"/>
+              <a:rPr lang="zh-TW" altLang="en-US" sz="2800"/>
               <a:t>的</a:t>
             </a:r>
             <a:r>
-              <a:rPr lang="zh-TW" altLang="en-US" sz="2600">
+              <a:rPr lang="zh-TW" altLang="en-US" sz="2800">
                 <a:solidFill>
                   <a:srgbClr val="00B0F0"/>
                 </a:solidFill>
@@ -2415,11 +2416,11 @@
               <a:t>資料</a:t>
             </a:r>
             <a:r>
-              <a:rPr lang="zh-TW" altLang="en-US" sz="2600"/>
+              <a:rPr lang="zh-TW" altLang="en-US" sz="2800"/>
               <a:t>為</a:t>
             </a:r>
             <a:r>
-              <a:rPr lang="zh-TW" altLang="en-US" sz="2600">
+              <a:rPr lang="zh-TW" altLang="en-US" sz="2800">
                 <a:solidFill>
                   <a:srgbClr val="00B0F0"/>
                 </a:solidFill>
@@ -2427,7 +2428,7 @@
               <a:t>葉節點</a:t>
             </a:r>
             <a:r>
-              <a:rPr lang="en-US" altLang="zh-TW" sz="2600">
+              <a:rPr lang="en-US" altLang="zh-TW" sz="2800">
                 <a:solidFill>
                   <a:srgbClr val="00B0F0"/>
                 </a:solidFill>
@@ -2437,11 +2438,11 @@
           </a:p>
           <a:p>
             <a:r>
-              <a:rPr lang="zh-TW" altLang="en-US" sz="2600"/>
+              <a:rPr lang="zh-TW" altLang="en-US" sz="2800"/>
               <a:t>從任一</a:t>
             </a:r>
             <a:r>
-              <a:rPr lang="zh-TW" altLang="en-US" sz="2600">
+              <a:rPr lang="zh-TW" altLang="en-US" sz="2800">
                 <a:solidFill>
                   <a:srgbClr val="00B0F0"/>
                 </a:solidFill>
@@ -2449,11 +2450,11 @@
               <a:t>葉節點</a:t>
             </a:r>
             <a:r>
-              <a:rPr lang="zh-TW" altLang="en-US" sz="2600"/>
+              <a:rPr lang="zh-TW" altLang="en-US" sz="2800"/>
               <a:t>到</a:t>
             </a:r>
             <a:r>
-              <a:rPr lang="zh-TW" altLang="en-US" sz="2600">
+              <a:rPr lang="zh-TW" altLang="en-US" sz="2800">
                 <a:solidFill>
                   <a:srgbClr val="00B0F0"/>
                 </a:solidFill>
@@ -2461,11 +2462,11 @@
               <a:t>根節點</a:t>
             </a:r>
             <a:r>
-              <a:rPr lang="zh-TW" altLang="en-US" sz="2600"/>
+              <a:rPr lang="zh-TW" altLang="en-US" sz="2800"/>
               <a:t>的</a:t>
             </a:r>
             <a:r>
-              <a:rPr lang="zh-TW" altLang="en-US" sz="2600">
+              <a:rPr lang="zh-TW" altLang="en-US" sz="2800">
                 <a:solidFill>
                   <a:srgbClr val="00B0F0"/>
                 </a:solidFill>
@@ -2473,11 +2474,11 @@
               <a:t>最大節點數</a:t>
             </a:r>
             <a:r>
-              <a:rPr lang="zh-TW" altLang="en-US" sz="2600"/>
+              <a:rPr lang="zh-TW" altLang="en-US" sz="2800"/>
               <a:t>為該</a:t>
             </a:r>
             <a:r>
-              <a:rPr lang="zh-TW" altLang="en-US" sz="2600">
+              <a:rPr lang="zh-TW" altLang="en-US" sz="2800">
                 <a:solidFill>
                   <a:srgbClr val="00B0F0"/>
                 </a:solidFill>
@@ -2485,11 +2486,11 @@
               <a:t>樹</a:t>
             </a:r>
             <a:r>
-              <a:rPr lang="zh-TW" altLang="en-US" sz="2600"/>
+              <a:rPr lang="zh-TW" altLang="en-US" sz="2800"/>
               <a:t>的</a:t>
             </a:r>
             <a:r>
-              <a:rPr lang="zh-TW" altLang="en-US" sz="2600">
+              <a:rPr lang="zh-TW" altLang="en-US" sz="2800">
                 <a:solidFill>
                   <a:srgbClr val="00B0F0"/>
                 </a:solidFill>
@@ -2497,7 +2498,7 @@
               <a:t>高度</a:t>
             </a:r>
             <a:r>
-              <a:rPr lang="en-US" altLang="zh-TW" sz="2600">
+              <a:rPr lang="en-US" altLang="zh-TW" sz="2800">
                 <a:solidFill>
                   <a:srgbClr val="00B0F0"/>
                 </a:solidFill>
@@ -2506,129 +2507,7 @@
             </a:r>
           </a:p>
           <a:p>
-            <a:r>
-              <a:rPr lang="zh-TW" altLang="en-US" sz="2600"/>
-              <a:t>一個</a:t>
-            </a:r>
-            <a:r>
-              <a:rPr lang="zh-TW" altLang="en-US" sz="2600">
-                <a:solidFill>
-                  <a:srgbClr val="00B0F0"/>
-                </a:solidFill>
-              </a:rPr>
-              <a:t>節點</a:t>
-            </a:r>
-            <a:r>
-              <a:rPr lang="zh-TW" altLang="en-US" sz="2600"/>
-              <a:t>和其</a:t>
-            </a:r>
-            <a:r>
-              <a:rPr lang="zh-TW" altLang="en-US" sz="2600">
-                <a:solidFill>
-                  <a:srgbClr val="00B0F0"/>
-                </a:solidFill>
-              </a:rPr>
-              <a:t>所有子節點</a:t>
-            </a:r>
-            <a:r>
-              <a:rPr lang="zh-TW" altLang="en-US" sz="2600"/>
-              <a:t>可被視為一棵新的</a:t>
-            </a:r>
-            <a:r>
-              <a:rPr lang="zh-TW" altLang="en-US" sz="2600">
-                <a:solidFill>
-                  <a:srgbClr val="00B0F0"/>
-                </a:solidFill>
-              </a:rPr>
-              <a:t>樹</a:t>
-            </a:r>
-            <a:r>
-              <a:rPr lang="en-US" altLang="zh-TW" sz="2600">
-                <a:solidFill>
-                  <a:srgbClr val="00B0F0"/>
-                </a:solidFill>
-              </a:rPr>
-              <a:t>(</a:t>
-            </a:r>
-            <a:r>
-              <a:rPr lang="zh-TW" altLang="en-US" sz="2600">
-                <a:solidFill>
-                  <a:srgbClr val="00B0F0"/>
-                </a:solidFill>
-              </a:rPr>
-              <a:t>子樹</a:t>
-            </a:r>
-            <a:r>
-              <a:rPr lang="en-US" altLang="zh-TW" sz="2600">
-                <a:solidFill>
-                  <a:srgbClr val="00B0F0"/>
-                </a:solidFill>
-              </a:rPr>
-              <a:t>)</a:t>
-            </a:r>
-          </a:p>
-          <a:p>
-            <a:r>
-              <a:rPr lang="zh-TW" altLang="en-US" sz="2600"/>
-              <a:t>且該</a:t>
-            </a:r>
-            <a:r>
-              <a:rPr lang="zh-TW" altLang="en-US" sz="2600">
-                <a:solidFill>
-                  <a:srgbClr val="00B0F0"/>
-                </a:solidFill>
-              </a:rPr>
-              <a:t>節點</a:t>
-            </a:r>
-            <a:r>
-              <a:rPr lang="zh-TW" altLang="en-US" sz="2600"/>
-              <a:t>即為新</a:t>
-            </a:r>
-            <a:r>
-              <a:rPr lang="zh-TW" altLang="en-US" sz="2600">
-                <a:solidFill>
-                  <a:srgbClr val="00B0F0"/>
-                </a:solidFill>
-              </a:rPr>
-              <a:t>樹</a:t>
-            </a:r>
-            <a:r>
-              <a:rPr lang="en-US" altLang="zh-TW" sz="2600">
-                <a:solidFill>
-                  <a:srgbClr val="00B0F0"/>
-                </a:solidFill>
-              </a:rPr>
-              <a:t>(</a:t>
-            </a:r>
-            <a:r>
-              <a:rPr lang="zh-TW" altLang="en-US" sz="2600">
-                <a:solidFill>
-                  <a:srgbClr val="00B0F0"/>
-                </a:solidFill>
-              </a:rPr>
-              <a:t>子樹</a:t>
-            </a:r>
-            <a:r>
-              <a:rPr lang="en-US" altLang="zh-TW" sz="2600">
-                <a:solidFill>
-                  <a:srgbClr val="00B0F0"/>
-                </a:solidFill>
-              </a:rPr>
-              <a:t>)</a:t>
-            </a:r>
-            <a:r>
-              <a:rPr lang="zh-TW" altLang="en-US" sz="2600"/>
-              <a:t>的</a:t>
-            </a:r>
-            <a:r>
-              <a:rPr lang="zh-TW" altLang="en-US" sz="2600">
-                <a:solidFill>
-                  <a:srgbClr val="00B0F0"/>
-                </a:solidFill>
-              </a:rPr>
-              <a:t>根節點</a:t>
-            </a:r>
-            <a:endParaRPr lang="en-US" altLang="zh-TW" sz="2600">
+            <a:endParaRPr lang="en-US" altLang="zh-TW" sz="2800">
               <a:solidFill>
                 <a:srgbClr val="00B0F0"/>
               </a:solidFill>
@@ -2636,7 +2515,7 @@
           </a:p>
           <a:p>
             <a:r>
-              <a:rPr lang="zh-TW" altLang="en-US" sz="2600">
+              <a:rPr lang="zh-TW" altLang="en-US" sz="2800">
                 <a:solidFill>
                   <a:srgbClr val="00B0F0"/>
                 </a:solidFill>
@@ -2644,7 +2523,7 @@
               <a:t>二元樹</a:t>
             </a:r>
             <a:r>
-              <a:rPr lang="en-US" altLang="zh-TW" sz="2600">
+              <a:rPr lang="en-US" altLang="zh-TW" sz="2800">
                 <a:solidFill>
                   <a:srgbClr val="00B0F0"/>
                 </a:solidFill>
@@ -2652,11 +2531,11 @@
               <a:t>(binary tree)</a:t>
             </a:r>
             <a:r>
-              <a:rPr lang="zh-TW" altLang="en-US" sz="2600"/>
+              <a:rPr lang="zh-TW" altLang="en-US" sz="2800"/>
               <a:t>是一種</a:t>
             </a:r>
             <a:r>
-              <a:rPr lang="zh-TW" altLang="en-US" sz="2600">
+              <a:rPr lang="zh-TW" altLang="en-US" sz="2800">
                 <a:solidFill>
                   <a:srgbClr val="00B0F0"/>
                 </a:solidFill>
@@ -2664,11 +2543,11 @@
               <a:t>樹</a:t>
             </a:r>
             <a:r>
-              <a:rPr lang="zh-TW" altLang="en-US" sz="2600"/>
+              <a:rPr lang="zh-TW" altLang="en-US" sz="2800"/>
               <a:t>，但每個</a:t>
             </a:r>
             <a:r>
-              <a:rPr lang="zh-TW" altLang="en-US" sz="2600">
+              <a:rPr lang="zh-TW" altLang="en-US" sz="2800">
                 <a:solidFill>
                   <a:srgbClr val="00B0F0"/>
                 </a:solidFill>
@@ -2676,18 +2555,18 @@
               <a:t>節點</a:t>
             </a:r>
             <a:r>
-              <a:rPr lang="zh-TW" altLang="en-US" sz="2600"/>
+              <a:rPr lang="zh-TW" altLang="en-US" sz="2800"/>
               <a:t>最多只有兩個</a:t>
             </a:r>
             <a:r>
-              <a:rPr lang="zh-TW" altLang="en-US" sz="2600">
+              <a:rPr lang="zh-TW" altLang="en-US" sz="2800">
                 <a:solidFill>
                   <a:srgbClr val="00B0F0"/>
                 </a:solidFill>
               </a:rPr>
               <a:t>子節點</a:t>
             </a:r>
-            <a:endParaRPr lang="en-US" altLang="zh-TW" sz="2600">
+            <a:endParaRPr lang="en-US" altLang="zh-TW" sz="2800">
               <a:solidFill>
                 <a:srgbClr val="00B0F0"/>
               </a:solidFill>
@@ -13098,6 +12977,92 @@
     <p:extLst>
       <p:ext uri="{BB962C8B-B14F-4D97-AF65-F5344CB8AC3E}">
         <p14:creationId xmlns:p14="http://schemas.microsoft.com/office/powerpoint/2010/main" val="4081250248"/>
+      </p:ext>
+    </p:extLst>
+  </p:cSld>
+  <p:clrMapOvr>
+    <a:masterClrMapping/>
+  </p:clrMapOvr>
+  <p:transition spd="slow">
+    <p:push dir="u"/>
+  </p:transition>
+</p:sld>
+</file>
+
+<file path=ppt/slides/slide8.xml><?xml version="1.0" encoding="utf-8"?>
+<p:sld xmlns:a="http://schemas.openxmlformats.org/drawingml/2006/main" xmlns:r="http://schemas.openxmlformats.org/officeDocument/2006/relationships" xmlns:p="http://schemas.openxmlformats.org/presentationml/2006/main">
+  <p:cSld>
+    <p:spTree>
+      <p:nvGrpSpPr>
+        <p:cNvPr id="1" name=""/>
+        <p:cNvGrpSpPr/>
+        <p:nvPr/>
+      </p:nvGrpSpPr>
+      <p:grpSpPr>
+        <a:xfrm>
+          <a:off x="0" y="0"/>
+          <a:ext cx="0" cy="0"/>
+          <a:chOff x="0" y="0"/>
+          <a:chExt cx="0" cy="0"/>
+        </a:xfrm>
+      </p:grpSpPr>
+      <p:sp>
+        <p:nvSpPr>
+          <p:cNvPr id="2" name="標題 1">
+            <a:extLst>
+              <a:ext uri="{FF2B5EF4-FFF2-40B4-BE49-F238E27FC236}">
+                <a16:creationId xmlns:a16="http://schemas.microsoft.com/office/drawing/2014/main" id="{9C4248D7-B75D-479B-8266-1C80681ECABC}"/>
+              </a:ext>
+            </a:extLst>
+          </p:cNvPr>
+          <p:cNvSpPr>
+            <a:spLocks noGrp="1"/>
+          </p:cNvSpPr>
+          <p:nvPr>
+            <p:ph type="title"/>
+          </p:nvPr>
+        </p:nvSpPr>
+        <p:spPr/>
+        <p:txBody>
+          <a:bodyPr/>
+          <a:lstStyle/>
+          <a:p>
+            <a:r>
+              <a:rPr lang="zh-TW" altLang="en-US"/>
+              <a:t>合併排序法</a:t>
+            </a:r>
+          </a:p>
+        </p:txBody>
+      </p:sp>
+      <p:sp>
+        <p:nvSpPr>
+          <p:cNvPr id="3" name="內容版面配置區 2">
+            <a:extLst>
+              <a:ext uri="{FF2B5EF4-FFF2-40B4-BE49-F238E27FC236}">
+                <a16:creationId xmlns:a16="http://schemas.microsoft.com/office/drawing/2014/main" id="{0D9A6221-1222-4D70-9B35-2B654AFB0188}"/>
+              </a:ext>
+            </a:extLst>
+          </p:cNvPr>
+          <p:cNvSpPr>
+            <a:spLocks noGrp="1"/>
+          </p:cNvSpPr>
+          <p:nvPr>
+            <p:ph idx="1"/>
+          </p:nvPr>
+        </p:nvSpPr>
+        <p:spPr/>
+        <p:txBody>
+          <a:bodyPr/>
+          <a:lstStyle/>
+          <a:p>
+            <a:endParaRPr lang="zh-TW" altLang="en-US"/>
+          </a:p>
+        </p:txBody>
+      </p:sp>
+    </p:spTree>
+    <p:extLst>
+      <p:ext uri="{BB962C8B-B14F-4D97-AF65-F5344CB8AC3E}">
+        <p14:creationId xmlns:p14="http://schemas.microsoft.com/office/powerpoint/2010/main" val="3879591969"/>
       </p:ext>
     </p:extLst>
   </p:cSld>

--- a/ppt/91_補充：進階資料結構與演算法.pptx
+++ b/ppt/91_補充：進階資料結構與演算法.pptx
@@ -13055,7 +13055,63 @@
           <a:bodyPr/>
           <a:lstStyle/>
           <a:p>
-            <a:endParaRPr lang="zh-TW" altLang="en-US"/>
+            <a:r>
+              <a:rPr lang="zh-TW" altLang="en-US"/>
+              <a:t>合併排序法是一種較為高效的排序法</a:t>
+            </a:r>
+            <a:endParaRPr lang="en-US" altLang="zh-TW"/>
+          </a:p>
+          <a:p>
+            <a:r>
+              <a:rPr lang="zh-TW" altLang="en-US"/>
+              <a:t>其原理為：</a:t>
+            </a:r>
+            <a:endParaRPr lang="en-US" altLang="zh-TW"/>
+          </a:p>
+          <a:p>
+            <a:r>
+              <a:rPr lang="zh-TW" altLang="en-US">
+                <a:solidFill>
+                  <a:srgbClr val="FFFF00"/>
+                </a:solidFill>
+              </a:rPr>
+              <a:t>先將資料分為兩堆</a:t>
+            </a:r>
+            <a:endParaRPr lang="en-US" altLang="zh-TW">
+              <a:solidFill>
+                <a:srgbClr val="FFFF00"/>
+              </a:solidFill>
+            </a:endParaRPr>
+          </a:p>
+          <a:p>
+            <a:r>
+              <a:rPr lang="zh-TW" altLang="en-US">
+                <a:solidFill>
+                  <a:srgbClr val="FFFF00"/>
+                </a:solidFill>
+              </a:rPr>
+              <a:t>在分別排序完兩堆的資料後</a:t>
+            </a:r>
+            <a:endParaRPr lang="en-US" altLang="zh-TW">
+              <a:solidFill>
+                <a:srgbClr val="FFFF00"/>
+              </a:solidFill>
+            </a:endParaRPr>
+          </a:p>
+          <a:p>
+            <a:r>
+              <a:rPr lang="zh-TW" altLang="en-US">
+                <a:solidFill>
+                  <a:srgbClr val="FFFF00"/>
+                </a:solidFill>
+              </a:rPr>
+              <a:t>將這兩堆有序資料合併成一堆有序資料</a:t>
+            </a:r>
+            <a:endParaRPr lang="en-US" altLang="zh-TW">
+              <a:solidFill>
+                <a:srgbClr val="FFFF00"/>
+              </a:solidFill>
+            </a:endParaRPr>
           </a:p>
         </p:txBody>
       </p:sp>

--- a/ppt/91_補充：進階資料結構與演算法.pptx
+++ b/ppt/91_補充：進階資料結構與演算法.pptx
@@ -224,7 +224,7 @@
           <a:p>
             <a:fld id="{D12B6452-9A32-4D93-BCB7-274D611E7416}" type="datetimeFigureOut">
               <a:rPr lang="zh-TW" altLang="en-US" smtClean="0"/>
-              <a:t>2024/12/8</a:t>
+              <a:t>2024/12/9</a:t>
             </a:fld>
             <a:endParaRPr lang="zh-TW" altLang="en-US"/>
           </a:p>
@@ -11698,7 +11698,7 @@
         </p:nvSpPr>
         <p:spPr>
           <a:xfrm>
-            <a:off x="838200" y="365125"/>
+            <a:off x="838200" y="0"/>
             <a:ext cx="10515600" cy="1325563"/>
           </a:xfrm>
         </p:spPr>
@@ -11731,8 +11731,8 @@
         </p:nvSpPr>
         <p:spPr>
           <a:xfrm>
-            <a:off x="838200" y="1628421"/>
-            <a:ext cx="10515600" cy="4745746"/>
+            <a:off x="838200" y="1237803"/>
+            <a:ext cx="10515600" cy="5171874"/>
           </a:xfrm>
         </p:spPr>
         <p:txBody>
@@ -11803,7 +11803,7 @@
                 <a:latin typeface="Times New Roman" panose="02020603050405020304" pitchFamily="18" charset="0"/>
                 <a:cs typeface="Times New Roman" panose="02020603050405020304" pitchFamily="18" charset="0"/>
               </a:rPr>
-              <a:t>O</a:t>
+              <a:t>Θ</a:t>
             </a:r>
             <a:r>
               <a:rPr lang="en-US" altLang="zh-TW">
@@ -11866,15 +11866,20 @@
               <a:t> </a:t>
             </a:r>
             <a:r>
+              <a:rPr lang="zh-TW" altLang="en-US"/>
+              <a:t>，其使用了</a:t>
+            </a:r>
+            <a:r>
               <a:rPr lang="zh-TW" altLang="en-US">
-                <a:latin typeface="Times New Roman" panose="02020603050405020304" pitchFamily="18" charset="0"/>
-                <a:cs typeface="Times New Roman" panose="02020603050405020304" pitchFamily="18" charset="0"/>
+                <a:solidFill>
+                  <a:srgbClr val="00B0F0"/>
+                </a:solidFill>
               </a:rPr>
-              <a:t>，</a:t>
+              <a:t>分治法</a:t>
             </a:r>
             <a:r>
               <a:rPr lang="zh-TW" altLang="en-US"/>
-              <a:t>其原理為：</a:t>
+              <a:t>：</a:t>
             </a:r>
             <a:endParaRPr lang="en-US" altLang="zh-TW"/>
           </a:p>
@@ -11972,6 +11977,96 @@
               </a:rPr>
               <a:t>重複直到兩組資料皆被放入新陣列</a:t>
             </a:r>
+            <a:endParaRPr lang="en-US" altLang="zh-TW">
+              <a:solidFill>
+                <a:srgbClr val="FFFF00"/>
+              </a:solidFill>
+            </a:endParaRPr>
+          </a:p>
+          <a:p>
+            <a:r>
+              <a:rPr lang="zh-TW" altLang="en-US"/>
+              <a:t>需注意，此排序法</a:t>
+            </a:r>
+            <a:r>
+              <a:rPr lang="zh-TW" altLang="en-US">
+                <a:solidFill>
+                  <a:srgbClr val="00B0F0"/>
+                </a:solidFill>
+                <a:latin typeface="Times New Roman" panose="02020603050405020304" pitchFamily="18" charset="0"/>
+                <a:cs typeface="Times New Roman" panose="02020603050405020304" pitchFamily="18" charset="0"/>
+              </a:rPr>
+              <a:t>空間</a:t>
+            </a:r>
+            <a:r>
+              <a:rPr lang="zh-TW" altLang="en-US">
+                <a:solidFill>
+                  <a:srgbClr val="00B0F0"/>
+                </a:solidFill>
+              </a:rPr>
+              <a:t>複雜度</a:t>
+            </a:r>
+            <a:r>
+              <a:rPr lang="zh-TW" altLang="en-US"/>
+              <a:t>為</a:t>
+            </a:r>
+            <a:r>
+              <a:rPr lang="zh-TW" altLang="en-US">
+                <a:latin typeface="Times New Roman" panose="02020603050405020304" pitchFamily="18" charset="0"/>
+                <a:cs typeface="Times New Roman" panose="02020603050405020304" pitchFamily="18" charset="0"/>
+              </a:rPr>
+              <a:t> </a:t>
+            </a:r>
+            <a:r>
+              <a:rPr lang="en-US" altLang="zh-TW" i="1">
+                <a:solidFill>
+                  <a:srgbClr val="92D050"/>
+                </a:solidFill>
+                <a:latin typeface="Times New Roman" panose="02020603050405020304" pitchFamily="18" charset="0"/>
+                <a:cs typeface="Times New Roman" panose="02020603050405020304" pitchFamily="18" charset="0"/>
+              </a:rPr>
+              <a:t>O</a:t>
+            </a:r>
+            <a:r>
+              <a:rPr lang="en-US" altLang="zh-TW">
+                <a:solidFill>
+                  <a:srgbClr val="92D050"/>
+                </a:solidFill>
+                <a:latin typeface="Times New Roman" panose="02020603050405020304" pitchFamily="18" charset="0"/>
+                <a:cs typeface="Times New Roman" panose="02020603050405020304" pitchFamily="18" charset="0"/>
+              </a:rPr>
+              <a:t>(</a:t>
+            </a:r>
+            <a:r>
+              <a:rPr lang="en-US" altLang="zh-TW" i="1">
+                <a:solidFill>
+                  <a:srgbClr val="92D050"/>
+                </a:solidFill>
+                <a:latin typeface="Times New Roman" panose="02020603050405020304" pitchFamily="18" charset="0"/>
+                <a:cs typeface="Times New Roman" panose="02020603050405020304" pitchFamily="18" charset="0"/>
+              </a:rPr>
+              <a:t>n</a:t>
+            </a:r>
+            <a:r>
+              <a:rPr lang="en-US" altLang="zh-TW">
+                <a:solidFill>
+                  <a:srgbClr val="92D050"/>
+                </a:solidFill>
+                <a:latin typeface="Times New Roman" panose="02020603050405020304" pitchFamily="18" charset="0"/>
+                <a:cs typeface="Times New Roman" panose="02020603050405020304" pitchFamily="18" charset="0"/>
+              </a:rPr>
+              <a:t>)</a:t>
+            </a:r>
+            <a:r>
+              <a:rPr lang="zh-TW" altLang="en-US">
+                <a:latin typeface="Times New Roman" panose="02020603050405020304" pitchFamily="18" charset="0"/>
+                <a:cs typeface="Times New Roman" panose="02020603050405020304" pitchFamily="18" charset="0"/>
+              </a:rPr>
+              <a:t>，較其他常見排序法高 </a:t>
+            </a:r>
+            <a:endParaRPr lang="zh-TW" altLang="en-US"/>
+          </a:p>
+          <a:p>
             <a:endParaRPr lang="en-US" altLang="zh-TW">
               <a:solidFill>
                 <a:srgbClr val="FFFF00"/>
@@ -31339,12 +31434,304 @@
             <p:ph idx="1"/>
           </p:nvPr>
         </p:nvSpPr>
-        <p:spPr/>
+        <p:spPr>
+          <a:xfrm>
+            <a:off x="838200" y="1601787"/>
+            <a:ext cx="10515600" cy="4656970"/>
+          </a:xfrm>
+        </p:spPr>
         <p:txBody>
-          <a:bodyPr/>
+          <a:bodyPr>
+            <a:normAutofit/>
+          </a:bodyPr>
           <a:lstStyle/>
           <a:p>
-            <a:endParaRPr lang="zh-TW" altLang="en-US"/>
+            <a:r>
+              <a:rPr lang="zh-TW" altLang="en-US">
+                <a:solidFill>
+                  <a:srgbClr val="00B0F0"/>
+                </a:solidFill>
+              </a:rPr>
+              <a:t>快速排序法</a:t>
+            </a:r>
+            <a:r>
+              <a:rPr lang="en-US" altLang="zh-TW">
+                <a:solidFill>
+                  <a:srgbClr val="00B0F0"/>
+                </a:solidFill>
+              </a:rPr>
+              <a:t>(quick sort)</a:t>
+            </a:r>
+            <a:r>
+              <a:rPr lang="zh-TW" altLang="en-US"/>
+              <a:t>是一種較為高效的</a:t>
+            </a:r>
+            <a:r>
+              <a:rPr lang="zh-TW" altLang="en-US">
+                <a:solidFill>
+                  <a:srgbClr val="00B0F0"/>
+                </a:solidFill>
+              </a:rPr>
+              <a:t>排序演算法</a:t>
+            </a:r>
+            <a:endParaRPr lang="en-US" altLang="zh-TW">
+              <a:solidFill>
+                <a:srgbClr val="00B0F0"/>
+              </a:solidFill>
+            </a:endParaRPr>
+          </a:p>
+          <a:p>
+            <a:r>
+              <a:rPr lang="zh-TW" altLang="en-US"/>
+              <a:t>許多程式語言的內建函式庫也是使用快速排序法或其變種</a:t>
+            </a:r>
+            <a:endParaRPr lang="en-US" altLang="zh-TW"/>
+          </a:p>
+          <a:p>
+            <a:r>
+              <a:rPr lang="zh-TW" altLang="en-US">
+                <a:solidFill>
+                  <a:srgbClr val="00B0F0"/>
+                </a:solidFill>
+              </a:rPr>
+              <a:t>平均時間複雜度</a:t>
+            </a:r>
+            <a:r>
+              <a:rPr lang="zh-TW" altLang="en-US"/>
+              <a:t>為</a:t>
+            </a:r>
+            <a:r>
+              <a:rPr lang="zh-TW" altLang="en-US">
+                <a:latin typeface="Times New Roman" panose="02020603050405020304" pitchFamily="18" charset="0"/>
+                <a:cs typeface="Times New Roman" panose="02020603050405020304" pitchFamily="18" charset="0"/>
+              </a:rPr>
+              <a:t> </a:t>
+            </a:r>
+            <a:r>
+              <a:rPr lang="el-GR" altLang="zh-TW" i="1">
+                <a:solidFill>
+                  <a:srgbClr val="92D050"/>
+                </a:solidFill>
+                <a:latin typeface="Times New Roman" panose="02020603050405020304" pitchFamily="18" charset="0"/>
+                <a:cs typeface="Times New Roman" panose="02020603050405020304" pitchFamily="18" charset="0"/>
+              </a:rPr>
+              <a:t>Θ</a:t>
+            </a:r>
+            <a:r>
+              <a:rPr lang="en-US" altLang="zh-TW">
+                <a:solidFill>
+                  <a:srgbClr val="92D050"/>
+                </a:solidFill>
+                <a:latin typeface="Times New Roman" panose="02020603050405020304" pitchFamily="18" charset="0"/>
+                <a:cs typeface="Times New Roman" panose="02020603050405020304" pitchFamily="18" charset="0"/>
+              </a:rPr>
+              <a:t>(</a:t>
+            </a:r>
+            <a:r>
+              <a:rPr lang="en-US" altLang="zh-TW" i="1">
+                <a:solidFill>
+                  <a:srgbClr val="92D050"/>
+                </a:solidFill>
+                <a:latin typeface="Times New Roman" panose="02020603050405020304" pitchFamily="18" charset="0"/>
+                <a:cs typeface="Times New Roman" panose="02020603050405020304" pitchFamily="18" charset="0"/>
+              </a:rPr>
+              <a:t>n</a:t>
+            </a:r>
+            <a:r>
+              <a:rPr lang="en-US" altLang="zh-TW">
+                <a:solidFill>
+                  <a:srgbClr val="92D050"/>
+                </a:solidFill>
+                <a:latin typeface="Times New Roman" panose="02020603050405020304" pitchFamily="18" charset="0"/>
+                <a:cs typeface="Times New Roman" panose="02020603050405020304" pitchFamily="18" charset="0"/>
+              </a:rPr>
+              <a:t> log </a:t>
+            </a:r>
+            <a:r>
+              <a:rPr lang="en-US" altLang="zh-TW" i="1">
+                <a:solidFill>
+                  <a:srgbClr val="92D050"/>
+                </a:solidFill>
+                <a:latin typeface="Times New Roman" panose="02020603050405020304" pitchFamily="18" charset="0"/>
+                <a:cs typeface="Times New Roman" panose="02020603050405020304" pitchFamily="18" charset="0"/>
+              </a:rPr>
+              <a:t>n</a:t>
+            </a:r>
+            <a:r>
+              <a:rPr lang="en-US" altLang="zh-TW">
+                <a:solidFill>
+                  <a:srgbClr val="92D050"/>
+                </a:solidFill>
+                <a:latin typeface="Times New Roman" panose="02020603050405020304" pitchFamily="18" charset="0"/>
+                <a:cs typeface="Times New Roman" panose="02020603050405020304" pitchFamily="18" charset="0"/>
+              </a:rPr>
+              <a:t>)</a:t>
+            </a:r>
+            <a:r>
+              <a:rPr lang="zh-TW" altLang="en-US"/>
+              <a:t>、</a:t>
+            </a:r>
+            <a:r>
+              <a:rPr lang="zh-TW" altLang="en-US">
+                <a:solidFill>
+                  <a:srgbClr val="00B0F0"/>
+                </a:solidFill>
+              </a:rPr>
+              <a:t>最壞時間複雜度</a:t>
+            </a:r>
+            <a:r>
+              <a:rPr lang="zh-TW" altLang="en-US"/>
+              <a:t>為</a:t>
+            </a:r>
+            <a:r>
+              <a:rPr lang="zh-TW" altLang="en-US">
+                <a:latin typeface="Times New Roman" panose="02020603050405020304" pitchFamily="18" charset="0"/>
+                <a:cs typeface="Times New Roman" panose="02020603050405020304" pitchFamily="18" charset="0"/>
+              </a:rPr>
+              <a:t> </a:t>
+            </a:r>
+            <a:r>
+              <a:rPr lang="el-GR" altLang="zh-TW" i="1">
+                <a:solidFill>
+                  <a:srgbClr val="92D050"/>
+                </a:solidFill>
+                <a:latin typeface="Times New Roman" panose="02020603050405020304" pitchFamily="18" charset="0"/>
+                <a:cs typeface="Times New Roman" panose="02020603050405020304" pitchFamily="18" charset="0"/>
+              </a:rPr>
+              <a:t>Θ</a:t>
+            </a:r>
+            <a:r>
+              <a:rPr lang="en-US" altLang="zh-TW">
+                <a:solidFill>
+                  <a:srgbClr val="92D050"/>
+                </a:solidFill>
+                <a:latin typeface="Times New Roman" panose="02020603050405020304" pitchFamily="18" charset="0"/>
+                <a:cs typeface="Times New Roman" panose="02020603050405020304" pitchFamily="18" charset="0"/>
+              </a:rPr>
+              <a:t>(</a:t>
+            </a:r>
+            <a:r>
+              <a:rPr lang="en-US" altLang="zh-TW" i="1">
+                <a:solidFill>
+                  <a:srgbClr val="92D050"/>
+                </a:solidFill>
+                <a:latin typeface="Times New Roman" panose="02020603050405020304" pitchFamily="18" charset="0"/>
+                <a:cs typeface="Times New Roman" panose="02020603050405020304" pitchFamily="18" charset="0"/>
+              </a:rPr>
+              <a:t>n</a:t>
+            </a:r>
+            <a:r>
+              <a:rPr lang="en-US" altLang="zh-TW" baseline="30000">
+                <a:solidFill>
+                  <a:srgbClr val="92D050"/>
+                </a:solidFill>
+                <a:latin typeface="Times New Roman" panose="02020603050405020304" pitchFamily="18" charset="0"/>
+                <a:cs typeface="Times New Roman" panose="02020603050405020304" pitchFamily="18" charset="0"/>
+              </a:rPr>
+              <a:t>2</a:t>
+            </a:r>
+            <a:r>
+              <a:rPr lang="en-US" altLang="zh-TW">
+                <a:solidFill>
+                  <a:srgbClr val="92D050"/>
+                </a:solidFill>
+                <a:latin typeface="Times New Roman" panose="02020603050405020304" pitchFamily="18" charset="0"/>
+                <a:cs typeface="Times New Roman" panose="02020603050405020304" pitchFamily="18" charset="0"/>
+              </a:rPr>
+              <a:t>)</a:t>
+            </a:r>
+          </a:p>
+          <a:p>
+            <a:r>
+              <a:rPr lang="zh-TW" altLang="en-US"/>
+              <a:t>其使用了</a:t>
+            </a:r>
+            <a:r>
+              <a:rPr lang="zh-TW" altLang="en-US">
+                <a:solidFill>
+                  <a:srgbClr val="00B0F0"/>
+                </a:solidFill>
+              </a:rPr>
+              <a:t>分治法</a:t>
+            </a:r>
+            <a:r>
+              <a:rPr lang="zh-TW" altLang="en-US"/>
+              <a:t>：</a:t>
+            </a:r>
+            <a:endParaRPr lang="en-US" altLang="zh-TW"/>
+          </a:p>
+          <a:p>
+            <a:r>
+              <a:rPr lang="zh-TW" altLang="en-US">
+                <a:solidFill>
+                  <a:srgbClr val="FFFF00"/>
+                </a:solidFill>
+              </a:rPr>
+              <a:t>分：選定一個資料作為基準</a:t>
+            </a:r>
+            <a:r>
+              <a:rPr lang="en-US" altLang="zh-TW">
+                <a:solidFill>
+                  <a:srgbClr val="FFFF00"/>
+                </a:solidFill>
+              </a:rPr>
+              <a:t>(pivot)</a:t>
+            </a:r>
+          </a:p>
+          <a:p>
+            <a:r>
+              <a:rPr lang="zh-TW" altLang="en-US">
+                <a:solidFill>
+                  <a:srgbClr val="FFFF00"/>
+                </a:solidFill>
+              </a:rPr>
+              <a:t>將比基準小的資料分為一組，基準外的其餘資料分為另一組</a:t>
+            </a:r>
+          </a:p>
+          <a:p>
+            <a:r>
+              <a:rPr lang="zh-TW" altLang="en-US">
+                <a:solidFill>
+                  <a:srgbClr val="FFFF00"/>
+                </a:solidFill>
+              </a:rPr>
+              <a:t>治：分別排序兩組資料</a:t>
+            </a:r>
+            <a:endParaRPr lang="en-US" altLang="zh-TW">
+              <a:solidFill>
+                <a:srgbClr val="FFFF00"/>
+              </a:solidFill>
+            </a:endParaRPr>
+          </a:p>
+          <a:p>
+            <a:r>
+              <a:rPr lang="zh-TW" altLang="en-US">
+                <a:solidFill>
+                  <a:srgbClr val="FFFF00"/>
+                </a:solidFill>
+              </a:rPr>
+              <a:t>若只有一個資料則為排序完成，否則繼續分治直到可以排序</a:t>
+            </a:r>
+            <a:endParaRPr lang="en-US" altLang="zh-TW">
+              <a:solidFill>
+                <a:srgbClr val="FFFF00"/>
+              </a:solidFill>
+            </a:endParaRPr>
+          </a:p>
+          <a:p>
+            <a:r>
+              <a:rPr lang="zh-TW" altLang="en-US">
+                <a:solidFill>
+                  <a:srgbClr val="FFFF00"/>
+                </a:solidFill>
+              </a:rPr>
+              <a:t>合：將比基準小的資料、基準、其餘資料依序連接在一起</a:t>
+            </a:r>
+            <a:endParaRPr lang="en-US" altLang="zh-TW">
+              <a:solidFill>
+                <a:srgbClr val="FFFF00"/>
+              </a:solidFill>
+            </a:endParaRPr>
           </a:p>
         </p:txBody>
       </p:sp>
